--- a/Presentazione_SDCC.pptx
+++ b/Presentazione_SDCC.pptx
@@ -6526,7 +6526,7 @@
           <a:p>
             <a:r>
               <a:rPr lang="it-IT" dirty="0"/>
-              <a:t>In questa inizializza le sue strutture interne e contatta il </a:t>
+              <a:t>In questa fase il nodo inizializza le sue strutture interne e contatta il </a:t>
             </a:r>
             <a:r>
               <a:rPr lang="it-IT" b="1" dirty="0" err="1"/>
@@ -6534,15 +6534,7 @@
             </a:r>
             <a:r>
               <a:rPr lang="it-IT" dirty="0"/>
-              <a:t> per segnalare che lui </a:t>
-            </a:r>
-            <a:r>
-              <a:rPr lang="it-IT" dirty="0" err="1"/>
-              <a:t>dovra</a:t>
-            </a:r>
-            <a:r>
-              <a:rPr lang="it-IT" dirty="0"/>
-              <a:t> far parte del sistema. </a:t>
+              <a:t> per segnalare che lui dovrà far parte del sistema. </a:t>
             </a:r>
           </a:p>
           <a:p>
@@ -6598,7 +6590,7 @@
           <a:p>
             <a:r>
               <a:rPr lang="it-IT" dirty="0"/>
-              <a:t>Il nodo a questo punto inizializza contatta il suo nodo successivo per inizializzare la sua </a:t>
+              <a:t>Il nodo a questo punto contatta il suo nodo successivo per inizializzare la sua </a:t>
             </a:r>
             <a:r>
               <a:rPr lang="it-IT" dirty="0" err="1"/>
